--- a/mlu-mlta/Lessons/DEV_MLUMLA-EN-M2-L2.pptx
+++ b/mlu-mlta/Lessons/DEV_MLUMLA-EN-M2-L2.pptx
@@ -288,7 +288,7 @@
           <a:p>
             <a:fld id="{F5508F28-5FA0-499D-98BE-FF7B679A3325}" type="datetimeFigureOut">
               <a:rPr lang="en-US" smtClean="0"/>
-              <a:t>5/5/25</a:t>
+              <a:t>6/3/25</a:t>
             </a:fld>
             <a:endParaRPr lang="en-US" dirty="0"/>
           </a:p>
@@ -4694,7 +4694,7 @@
           <a:p>
             <a:fld id="{F686CB33-228A-6141-A5E8-DABF99FAD16D}" type="datetimeFigureOut">
               <a:rPr lang="en-US" smtClean="0"/>
-              <a:t>5/5/25</a:t>
+              <a:t>6/3/25</a:t>
             </a:fld>
             <a:endParaRPr lang="en-US"/>
           </a:p>
@@ -4892,7 +4892,7 @@
           <a:p>
             <a:fld id="{F686CB33-228A-6141-A5E8-DABF99FAD16D}" type="datetimeFigureOut">
               <a:rPr lang="en-US" smtClean="0"/>
-              <a:t>5/5/25</a:t>
+              <a:t>6/3/25</a:t>
             </a:fld>
             <a:endParaRPr lang="en-US"/>
           </a:p>
@@ -5167,7 +5167,7 @@
           <a:p>
             <a:fld id="{F686CB33-228A-6141-A5E8-DABF99FAD16D}" type="datetimeFigureOut">
               <a:rPr lang="en-US" smtClean="0"/>
-              <a:t>5/5/25</a:t>
+              <a:t>6/3/25</a:t>
             </a:fld>
             <a:endParaRPr lang="en-US"/>
           </a:p>
@@ -5432,7 +5432,7 @@
           <a:p>
             <a:fld id="{F686CB33-228A-6141-A5E8-DABF99FAD16D}" type="datetimeFigureOut">
               <a:rPr lang="en-US" smtClean="0"/>
-              <a:t>5/5/25</a:t>
+              <a:t>6/3/25</a:t>
             </a:fld>
             <a:endParaRPr lang="en-US"/>
           </a:p>
@@ -5844,7 +5844,7 @@
           <a:p>
             <a:fld id="{F686CB33-228A-6141-A5E8-DABF99FAD16D}" type="datetimeFigureOut">
               <a:rPr lang="en-US" smtClean="0"/>
-              <a:t>5/5/25</a:t>
+              <a:t>6/3/25</a:t>
             </a:fld>
             <a:endParaRPr lang="en-US"/>
           </a:p>
@@ -5985,7 +5985,7 @@
           <a:p>
             <a:fld id="{F686CB33-228A-6141-A5E8-DABF99FAD16D}" type="datetimeFigureOut">
               <a:rPr lang="en-US" smtClean="0"/>
-              <a:t>5/5/25</a:t>
+              <a:t>6/3/25</a:t>
             </a:fld>
             <a:endParaRPr lang="en-US"/>
           </a:p>
@@ -6098,7 +6098,7 @@
           <a:p>
             <a:fld id="{F686CB33-228A-6141-A5E8-DABF99FAD16D}" type="datetimeFigureOut">
               <a:rPr lang="en-US" smtClean="0"/>
-              <a:t>5/5/25</a:t>
+              <a:t>6/3/25</a:t>
             </a:fld>
             <a:endParaRPr lang="en-US"/>
           </a:p>
@@ -6409,7 +6409,7 @@
           <a:p>
             <a:fld id="{F686CB33-228A-6141-A5E8-DABF99FAD16D}" type="datetimeFigureOut">
               <a:rPr lang="en-US" smtClean="0"/>
-              <a:t>5/5/25</a:t>
+              <a:t>6/3/25</a:t>
             </a:fld>
             <a:endParaRPr lang="en-US"/>
           </a:p>
@@ -6697,7 +6697,7 @@
           <a:p>
             <a:fld id="{F686CB33-228A-6141-A5E8-DABF99FAD16D}" type="datetimeFigureOut">
               <a:rPr lang="en-US" smtClean="0"/>
-              <a:t>5/5/25</a:t>
+              <a:t>6/3/25</a:t>
             </a:fld>
             <a:endParaRPr lang="en-US"/>
           </a:p>
@@ -7089,7 +7089,7 @@
           <a:p>
             <a:fld id="{F686CB33-228A-6141-A5E8-DABF99FAD16D}" type="datetimeFigureOut">
               <a:rPr lang="en-US" smtClean="0"/>
-              <a:t>5/5/25</a:t>
+              <a:t>6/3/25</a:t>
             </a:fld>
             <a:endParaRPr lang="en-US"/>
           </a:p>
@@ -7297,7 +7297,7 @@
           <a:p>
             <a:fld id="{F686CB33-228A-6141-A5E8-DABF99FAD16D}" type="datetimeFigureOut">
               <a:rPr lang="en-US" smtClean="0"/>
-              <a:t>5/5/25</a:t>
+              <a:t>6/3/25</a:t>
             </a:fld>
             <a:endParaRPr lang="en-US"/>
           </a:p>
@@ -9791,7 +9791,7 @@
           <a:p>
             <a:fld id="{F686CB33-228A-6141-A5E8-DABF99FAD16D}" type="datetimeFigureOut">
               <a:rPr lang="en-US" smtClean="0"/>
-              <a:t>5/5/25</a:t>
+              <a:t>6/3/25</a:t>
             </a:fld>
             <a:endParaRPr lang="en-US"/>
           </a:p>
@@ -12332,8 +12332,8 @@
           </a:p>
         </p:txBody>
       </p:sp>
-      <mc:AlternateContent xmlns:mc="http://schemas.openxmlformats.org/markup-compatibility/2006">
-        <mc:Choice xmlns:a14="http://schemas.microsoft.com/office/drawing/2010/main" Requires="a14">
+      <mc:AlternateContent xmlns:mc="http://schemas.openxmlformats.org/markup-compatibility/2006" xmlns:a14="http://schemas.microsoft.com/office/drawing/2010/main">
+        <mc:Choice Requires="a14">
           <p:sp>
             <p:nvSpPr>
               <p:cNvPr id="3" name="Content Placeholder 2">
@@ -12394,7 +12394,7 @@
             </p:txBody>
           </p:sp>
         </mc:Choice>
-        <mc:Fallback>
+        <mc:Fallback xmlns="">
           <p:sp>
             <p:nvSpPr>
               <p:cNvPr id="3" name="Content Placeholder 2">
@@ -19544,12 +19544,12 @@
         <p:spPr/>
         <p:txBody>
           <a:bodyPr>
-            <a:normAutofit fontScale="90000"/>
+            <a:noAutofit/>
           </a:bodyPr>
           <a:lstStyle/>
           <a:p>
             <a:r>
-              <a:rPr lang="en-US" dirty="0"/>
+              <a:rPr lang="en-US" sz="3600" dirty="0"/>
               <a:t>Text vectorization: Bag-of-words method steps</a:t>
             </a:r>
           </a:p>
@@ -26839,8 +26839,8 @@
           </a:p>
         </p:txBody>
       </p:sp>
-      <mc:AlternateContent xmlns:mc="http://schemas.openxmlformats.org/markup-compatibility/2006">
-        <mc:Choice xmlns:a14="http://schemas.microsoft.com/office/drawing/2010/main" Requires="a14">
+      <mc:AlternateContent xmlns:mc="http://schemas.openxmlformats.org/markup-compatibility/2006" xmlns:a14="http://schemas.microsoft.com/office/drawing/2010/main">
+        <mc:Choice Requires="a14">
           <p:sp>
             <p:nvSpPr>
               <p:cNvPr id="3" name="Content Placeholder 2">
@@ -26923,7 +26923,7 @@
             </p:txBody>
           </p:sp>
         </mc:Choice>
-        <mc:Fallback>
+        <mc:Fallback xmlns="">
           <p:sp>
             <p:nvSpPr>
               <p:cNvPr id="3" name="Content Placeholder 2">
@@ -27219,8 +27219,8 @@
           </a:p>
         </p:txBody>
       </p:sp>
-      <mc:AlternateContent xmlns:mc="http://schemas.openxmlformats.org/markup-compatibility/2006">
-        <mc:Choice xmlns:a14="http://schemas.microsoft.com/office/drawing/2010/main" Requires="a14">
+      <mc:AlternateContent xmlns:mc="http://schemas.openxmlformats.org/markup-compatibility/2006" xmlns:a14="http://schemas.microsoft.com/office/drawing/2010/main">
+        <mc:Choice Requires="a14">
           <p:sp>
             <p:nvSpPr>
               <p:cNvPr id="3" name="Content Placeholder 2">
@@ -27356,7 +27356,7 @@
             </p:txBody>
           </p:sp>
         </mc:Choice>
-        <mc:Fallback>
+        <mc:Fallback xmlns="">
           <p:sp>
             <p:nvSpPr>
               <p:cNvPr id="3" name="Content Placeholder 2">

--- a/mlu-mlta/Lessons/DEV_MLUMLA-EN-M2-L2.pptx
+++ b/mlu-mlta/Lessons/DEV_MLUMLA-EN-M2-L2.pptx
@@ -288,7 +288,7 @@
           <a:p>
             <a:fld id="{F5508F28-5FA0-499D-98BE-FF7B679A3325}" type="datetimeFigureOut">
               <a:rPr lang="en-US" smtClean="0"/>
-              <a:t>6/3/25</a:t>
+              <a:t>6/25/25</a:t>
             </a:fld>
             <a:endParaRPr lang="en-US" dirty="0"/>
           </a:p>
@@ -1967,7 +1967,7 @@
           <a:p>
             <a:r>
               <a:rPr lang="en-US" dirty="0"/>
-              <a:t>This method removes the extra words that contribute little to the meaning of the text. Usually, stop word lists are created or curated specifically for the problem.</a:t>
+              <a:t>Another preprocessing step is removing stop words. This involves removing the extra words that contribute little to the meaning of the text. Usually, stop word lists are created or curated specifically for the problem. This could include ”a”, “the”, “so”, “is”, “it”, “at”, “in”, “this”, “there”, “that”, “my”, “by”, “nor”, among others.</a:t>
             </a:r>
           </a:p>
         </p:txBody>
@@ -2453,8 +2453,13 @@
           <a:p>
             <a:r>
               <a:rPr lang="en-US" dirty="0"/>
-              <a:t>Then, for each text, calculate the occurrences of the words in the text. This can be binary (1 or 0) or counts.</a:t>
-            </a:r>
+              <a:t>Then, for each text, calculate the occurrences of the words in the text. This can be binary (1 or 0) </a:t>
+            </a:r>
+            <a:r>
+              <a:rPr lang="en-US"/>
+              <a:t>or counts (how many times seen in the text).</a:t>
+            </a:r>
+            <a:endParaRPr lang="en-US" dirty="0"/>
           </a:p>
         </p:txBody>
       </p:sp>
@@ -4694,7 +4699,7 @@
           <a:p>
             <a:fld id="{F686CB33-228A-6141-A5E8-DABF99FAD16D}" type="datetimeFigureOut">
               <a:rPr lang="en-US" smtClean="0"/>
-              <a:t>6/3/25</a:t>
+              <a:t>6/25/25</a:t>
             </a:fld>
             <a:endParaRPr lang="en-US"/>
           </a:p>
@@ -4892,7 +4897,7 @@
           <a:p>
             <a:fld id="{F686CB33-228A-6141-A5E8-DABF99FAD16D}" type="datetimeFigureOut">
               <a:rPr lang="en-US" smtClean="0"/>
-              <a:t>6/3/25</a:t>
+              <a:t>6/25/25</a:t>
             </a:fld>
             <a:endParaRPr lang="en-US"/>
           </a:p>
@@ -5167,7 +5172,7 @@
           <a:p>
             <a:fld id="{F686CB33-228A-6141-A5E8-DABF99FAD16D}" type="datetimeFigureOut">
               <a:rPr lang="en-US" smtClean="0"/>
-              <a:t>6/3/25</a:t>
+              <a:t>6/25/25</a:t>
             </a:fld>
             <a:endParaRPr lang="en-US"/>
           </a:p>
@@ -5432,7 +5437,7 @@
           <a:p>
             <a:fld id="{F686CB33-228A-6141-A5E8-DABF99FAD16D}" type="datetimeFigureOut">
               <a:rPr lang="en-US" smtClean="0"/>
-              <a:t>6/3/25</a:t>
+              <a:t>6/25/25</a:t>
             </a:fld>
             <a:endParaRPr lang="en-US"/>
           </a:p>
@@ -5844,7 +5849,7 @@
           <a:p>
             <a:fld id="{F686CB33-228A-6141-A5E8-DABF99FAD16D}" type="datetimeFigureOut">
               <a:rPr lang="en-US" smtClean="0"/>
-              <a:t>6/3/25</a:t>
+              <a:t>6/25/25</a:t>
             </a:fld>
             <a:endParaRPr lang="en-US"/>
           </a:p>
@@ -5985,7 +5990,7 @@
           <a:p>
             <a:fld id="{F686CB33-228A-6141-A5E8-DABF99FAD16D}" type="datetimeFigureOut">
               <a:rPr lang="en-US" smtClean="0"/>
-              <a:t>6/3/25</a:t>
+              <a:t>6/25/25</a:t>
             </a:fld>
             <a:endParaRPr lang="en-US"/>
           </a:p>
@@ -6098,7 +6103,7 @@
           <a:p>
             <a:fld id="{F686CB33-228A-6141-A5E8-DABF99FAD16D}" type="datetimeFigureOut">
               <a:rPr lang="en-US" smtClean="0"/>
-              <a:t>6/3/25</a:t>
+              <a:t>6/25/25</a:t>
             </a:fld>
             <a:endParaRPr lang="en-US"/>
           </a:p>
@@ -6409,7 +6414,7 @@
           <a:p>
             <a:fld id="{F686CB33-228A-6141-A5E8-DABF99FAD16D}" type="datetimeFigureOut">
               <a:rPr lang="en-US" smtClean="0"/>
-              <a:t>6/3/25</a:t>
+              <a:t>6/25/25</a:t>
             </a:fld>
             <a:endParaRPr lang="en-US"/>
           </a:p>
@@ -6697,7 +6702,7 @@
           <a:p>
             <a:fld id="{F686CB33-228A-6141-A5E8-DABF99FAD16D}" type="datetimeFigureOut">
               <a:rPr lang="en-US" smtClean="0"/>
-              <a:t>6/3/25</a:t>
+              <a:t>6/25/25</a:t>
             </a:fld>
             <a:endParaRPr lang="en-US"/>
           </a:p>
@@ -7089,7 +7094,7 @@
           <a:p>
             <a:fld id="{F686CB33-228A-6141-A5E8-DABF99FAD16D}" type="datetimeFigureOut">
               <a:rPr lang="en-US" smtClean="0"/>
-              <a:t>6/3/25</a:t>
+              <a:t>6/25/25</a:t>
             </a:fld>
             <a:endParaRPr lang="en-US"/>
           </a:p>
@@ -7297,7 +7302,7 @@
           <a:p>
             <a:fld id="{F686CB33-228A-6141-A5E8-DABF99FAD16D}" type="datetimeFigureOut">
               <a:rPr lang="en-US" smtClean="0"/>
-              <a:t>6/3/25</a:t>
+              <a:t>6/25/25</a:t>
             </a:fld>
             <a:endParaRPr lang="en-US"/>
           </a:p>
@@ -9791,7 +9796,7 @@
           <a:p>
             <a:fld id="{F686CB33-228A-6141-A5E8-DABF99FAD16D}" type="datetimeFigureOut">
               <a:rPr lang="en-US" smtClean="0"/>
-              <a:t>6/3/25</a:t>
+              <a:t>6/25/25</a:t>
             </a:fld>
             <a:endParaRPr lang="en-US"/>
           </a:p>
